--- a/設計書/00_提案/3_月報管理システム 画面デザインイメージ.pptx
+++ b/設計書/00_提案/3_月報管理システム 画面デザインイメージ.pptx
@@ -5,10 +5,10 @@
     <p:sldMasterId id="2147483672" r:id="rId1"/>
   </p:sldMasterIdLst>
   <p:notesMasterIdLst>
-    <p:notesMasterId r:id="rId13"/>
+    <p:notesMasterId r:id="rId14"/>
   </p:notesMasterIdLst>
   <p:handoutMasterIdLst>
-    <p:handoutMasterId r:id="rId14"/>
+    <p:handoutMasterId r:id="rId15"/>
   </p:handoutMasterIdLst>
   <p:sldIdLst>
     <p:sldId id="256" r:id="rId2"/>
@@ -20,8 +20,9 @@
     <p:sldId id="262" r:id="rId8"/>
     <p:sldId id="264" r:id="rId9"/>
     <p:sldId id="265" r:id="rId10"/>
-    <p:sldId id="266" r:id="rId11"/>
-    <p:sldId id="263" r:id="rId12"/>
+    <p:sldId id="267" r:id="rId11"/>
+    <p:sldId id="266" r:id="rId12"/>
+    <p:sldId id="263" r:id="rId13"/>
   </p:sldIdLst>
   <p:sldSz cx="9144000" cy="6858000" type="screen4x3"/>
   <p:notesSz cx="6858000" cy="9144000"/>
@@ -206,7 +207,7 @@
             <a:fld id="{BCDAA5EE-A947-4495-AD3A-0037BFB73522}" type="datetimeFigureOut">
               <a:rPr kumimoji="1" lang="ja-JP" altLang="en-US" smtClean="0"/>
               <a:pPr/>
-              <a:t>2016/8/10</a:t>
+              <a:t>2016/9/30</a:t>
             </a:fld>
             <a:endParaRPr kumimoji="1" lang="ja-JP" altLang="en-US"/>
           </a:p>
@@ -373,7 +374,7 @@
             <a:fld id="{B865EC08-ADE3-4A7C-8117-50520C10DDF4}" type="datetimeFigureOut">
               <a:rPr kumimoji="1" lang="ja-JP" altLang="en-US" smtClean="0"/>
               <a:pPr/>
-              <a:t>2016/8/10</a:t>
+              <a:t>2016/9/30</a:t>
             </a:fld>
             <a:endParaRPr kumimoji="1" lang="ja-JP" altLang="en-US"/>
           </a:p>
@@ -1299,7 +1300,7 @@
           <a:p>
             <a:fld id="{C31FF1BB-48B5-45A0-8912-643B4C57C063}" type="datetime1">
               <a:rPr kumimoji="1" lang="ja-JP" altLang="en-US" smtClean="0"/>
-              <a:t>2016/8/10</a:t>
+              <a:t>2016/9/30</a:t>
             </a:fld>
             <a:endParaRPr kumimoji="1" lang="ja-JP" altLang="en-US"/>
           </a:p>
@@ -1528,7 +1529,7 @@
           <a:p>
             <a:fld id="{36D103B7-F187-4B8D-BBBD-302F2F8B175D}" type="datetime1">
               <a:rPr kumimoji="1" lang="ja-JP" altLang="en-US" smtClean="0"/>
-              <a:t>2016/8/10</a:t>
+              <a:t>2016/9/30</a:t>
             </a:fld>
             <a:endParaRPr kumimoji="1" lang="ja-JP" altLang="en-US"/>
           </a:p>
@@ -1746,7 +1747,7 @@
           <a:p>
             <a:fld id="{616318D9-6788-4043-B1A3-81169199D2C3}" type="datetime1">
               <a:rPr kumimoji="1" lang="ja-JP" altLang="en-US" smtClean="0"/>
-              <a:t>2016/8/10</a:t>
+              <a:t>2016/9/30</a:t>
             </a:fld>
             <a:endParaRPr kumimoji="1" lang="ja-JP" altLang="en-US"/>
           </a:p>
@@ -1929,7 +1930,7 @@
           <a:p>
             <a:fld id="{3EB2B793-AA49-4AE9-AF38-96BB8CAFB1D7}" type="datetime1">
               <a:rPr kumimoji="1" lang="ja-JP" altLang="en-US" smtClean="0"/>
-              <a:t>2016/8/10</a:t>
+              <a:t>2016/9/30</a:t>
             </a:fld>
             <a:endParaRPr kumimoji="1" lang="ja-JP" altLang="en-US"/>
           </a:p>
@@ -2185,7 +2186,7 @@
           <a:p>
             <a:fld id="{0354AE8F-E7F1-4587-95B4-48E0C7D10816}" type="datetime1">
               <a:rPr kumimoji="1" lang="ja-JP" altLang="en-US" smtClean="0"/>
-              <a:t>2016/8/10</a:t>
+              <a:t>2016/9/30</a:t>
             </a:fld>
             <a:endParaRPr kumimoji="1" lang="ja-JP" altLang="en-US"/>
           </a:p>
@@ -2659,7 +2660,7 @@
           <a:p>
             <a:fld id="{D354C179-D880-4013-8132-1BEE8E8C0A9A}" type="datetime1">
               <a:rPr kumimoji="1" lang="ja-JP" altLang="en-US" smtClean="0"/>
-              <a:t>2016/8/10</a:t>
+              <a:t>2016/9/30</a:t>
             </a:fld>
             <a:endParaRPr kumimoji="1" lang="ja-JP" altLang="en-US"/>
           </a:p>
@@ -3170,7 +3171,7 @@
           <a:p>
             <a:fld id="{857F88FE-DF06-41B4-B299-42F735F420E9}" type="datetime1">
               <a:rPr kumimoji="1" lang="ja-JP" altLang="en-US" smtClean="0"/>
-              <a:t>2016/8/10</a:t>
+              <a:t>2016/9/30</a:t>
             </a:fld>
             <a:endParaRPr kumimoji="1" lang="ja-JP" altLang="en-US"/>
           </a:p>
@@ -3272,7 +3273,7 @@
           <a:p>
             <a:fld id="{B7038255-8816-4D6D-BA3E-553F188F5582}" type="datetime1">
               <a:rPr kumimoji="1" lang="ja-JP" altLang="en-US" smtClean="0"/>
-              <a:t>2016/8/10</a:t>
+              <a:t>2016/9/30</a:t>
             </a:fld>
             <a:endParaRPr kumimoji="1" lang="ja-JP" altLang="en-US"/>
           </a:p>
@@ -3394,7 +3395,7 @@
           <a:p>
             <a:fld id="{E83D8C05-108D-4FF1-B90B-D35DC3AA9CB0}" type="datetime1">
               <a:rPr kumimoji="1" lang="ja-JP" altLang="en-US" smtClean="0"/>
-              <a:t>2016/8/10</a:t>
+              <a:t>2016/9/30</a:t>
             </a:fld>
             <a:endParaRPr kumimoji="1" lang="ja-JP" altLang="en-US"/>
           </a:p>
@@ -3701,7 +3702,7 @@
           <a:p>
             <a:fld id="{F15E52C1-27FF-4037-A27C-8C2EFCFB00FB}" type="datetime1">
               <a:rPr kumimoji="1" lang="ja-JP" altLang="en-US" smtClean="0"/>
-              <a:t>2016/8/10</a:t>
+              <a:t>2016/9/30</a:t>
             </a:fld>
             <a:endParaRPr kumimoji="1" lang="ja-JP" altLang="en-US"/>
           </a:p>
@@ -3907,7 +3908,7 @@
           <a:p>
             <a:fld id="{961BD30A-CDD6-447A-80C1-904F6F05D04E}" type="datetime1">
               <a:rPr kumimoji="1" lang="ja-JP" altLang="en-US" smtClean="0"/>
-              <a:t>2016/8/10</a:t>
+              <a:t>2016/9/30</a:t>
             </a:fld>
             <a:endParaRPr kumimoji="1" lang="ja-JP" altLang="en-US"/>
           </a:p>
@@ -5049,7 +5050,7 @@
           <a:p>
             <a:fld id="{C4BEE03A-BEC9-4C8F-906D-E05319DD9766}" type="datetime1">
               <a:rPr kumimoji="1" lang="ja-JP" altLang="en-US" smtClean="0"/>
-              <a:t>2016/8/10</a:t>
+              <a:t>2016/9/30</a:t>
             </a:fld>
             <a:endParaRPr kumimoji="1" lang="ja-JP" altLang="en-US"/>
           </a:p>
@@ -5590,7 +5591,7 @@
           <a:p>
             <a:r>
               <a:rPr lang="ja-JP" altLang="en-US" dirty="0" smtClean="0"/>
-              <a:t>月報一覧</a:t>
+              <a:t>月報一括承認</a:t>
             </a:r>
             <a:r>
               <a:rPr kumimoji="1" lang="ja-JP" altLang="en-US" dirty="0" smtClean="0"/>
@@ -5602,7 +5603,7 @@
       </p:sp>
       <p:pic>
         <p:nvPicPr>
-          <p:cNvPr id="8194" name="Picture 2"/>
+          <p:cNvPr id="9221" name="Picture 5"/>
           <p:cNvPicPr>
             <a:picLocks noGrp="1" noChangeAspect="1" noChangeArrowheads="1"/>
           </p:cNvPicPr>
@@ -5625,8 +5626,147 @@
         </p:blipFill>
         <p:spPr bwMode="auto">
           <a:xfrm>
-            <a:off x="1554692" y="1481138"/>
-            <a:ext cx="6034616" cy="4525962"/>
+            <a:off x="1457359" y="1481138"/>
+            <a:ext cx="6229281" cy="4525962"/>
+          </a:xfrm>
+          <a:prstGeom prst="rect">
+            <a:avLst/>
+          </a:prstGeom>
+          <a:noFill/>
+          <a:ln w="9525">
+            <a:solidFill>
+              <a:schemeClr val="tx1"/>
+            </a:solidFill>
+            <a:miter lim="800000"/>
+            <a:headEnd/>
+            <a:tailEnd/>
+          </a:ln>
+          <a:extLst>
+            <a:ext uri="{909E8E84-426E-40DD-AFC4-6F175D3DCCD1}">
+              <a14:hiddenFill xmlns:a14="http://schemas.microsoft.com/office/drawing/2010/main">
+                <a:solidFill>
+                  <a:schemeClr val="accent1"/>
+                </a:solidFill>
+              </a14:hiddenFill>
+            </a:ext>
+          </a:extLst>
+        </p:spPr>
+      </p:pic>
+    </p:spTree>
+    <p:extLst>
+      <p:ext uri="{BB962C8B-B14F-4D97-AF65-F5344CB8AC3E}">
+        <p14:creationId xmlns:p14="http://schemas.microsoft.com/office/powerpoint/2010/main" val="1522572041"/>
+      </p:ext>
+    </p:extLst>
+  </p:cSld>
+  <p:clrMapOvr>
+    <a:masterClrMapping/>
+  </p:clrMapOvr>
+  <p:timing>
+    <p:tnLst>
+      <p:par>
+        <p:cTn id="1" dur="indefinite" restart="never" nodeType="tmRoot"/>
+      </p:par>
+    </p:tnLst>
+  </p:timing>
+</p:sld>
+</file>
+
+<file path=ppt/slides/slide11.xml><?xml version="1.0" encoding="utf-8"?>
+<p:sld xmlns:a="http://schemas.openxmlformats.org/drawingml/2006/main" xmlns:r="http://schemas.openxmlformats.org/officeDocument/2006/relationships" xmlns:p="http://schemas.openxmlformats.org/presentationml/2006/main">
+  <p:cSld>
+    <p:spTree>
+      <p:nvGrpSpPr>
+        <p:cNvPr id="1" name=""/>
+        <p:cNvGrpSpPr/>
+        <p:nvPr/>
+      </p:nvGrpSpPr>
+      <p:grpSpPr>
+        <a:xfrm>
+          <a:off x="0" y="0"/>
+          <a:ext cx="0" cy="0"/>
+          <a:chOff x="0" y="0"/>
+          <a:chExt cx="0" cy="0"/>
+        </a:xfrm>
+      </p:grpSpPr>
+      <p:sp>
+        <p:nvSpPr>
+          <p:cNvPr id="3" name="スライド番号プレースホルダー 2"/>
+          <p:cNvSpPr>
+            <a:spLocks noGrp="1"/>
+          </p:cNvSpPr>
+          <p:nvPr>
+            <p:ph type="sldNum" sz="quarter" idx="12"/>
+          </p:nvPr>
+        </p:nvSpPr>
+        <p:spPr/>
+        <p:txBody>
+          <a:bodyPr/>
+          <a:lstStyle/>
+          <a:p>
+            <a:fld id="{1B2C9F7E-80B6-4C3C-8A6C-643968CAB744}" type="slidenum">
+              <a:rPr kumimoji="1" lang="ja-JP" altLang="en-US" smtClean="0"/>
+              <a:pPr/>
+              <a:t>11</a:t>
+            </a:fld>
+            <a:endParaRPr kumimoji="1" lang="ja-JP" altLang="en-US"/>
+          </a:p>
+        </p:txBody>
+      </p:sp>
+      <p:sp>
+        <p:nvSpPr>
+          <p:cNvPr id="4" name="タイトル 3"/>
+          <p:cNvSpPr>
+            <a:spLocks noGrp="1"/>
+          </p:cNvSpPr>
+          <p:nvPr>
+            <p:ph type="title"/>
+          </p:nvPr>
+        </p:nvSpPr>
+        <p:spPr/>
+        <p:txBody>
+          <a:bodyPr/>
+          <a:lstStyle/>
+          <a:p>
+            <a:r>
+              <a:rPr lang="ja-JP" altLang="en-US" dirty="0" smtClean="0"/>
+              <a:t>月報一覧</a:t>
+            </a:r>
+            <a:r>
+              <a:rPr kumimoji="1" lang="ja-JP" altLang="en-US" dirty="0" smtClean="0"/>
+              <a:t>画面</a:t>
+            </a:r>
+            <a:endParaRPr kumimoji="1" lang="ja-JP" altLang="en-US" dirty="0"/>
+          </a:p>
+        </p:txBody>
+      </p:sp>
+      <p:pic>
+        <p:nvPicPr>
+          <p:cNvPr id="8195" name="Picture 3"/>
+          <p:cNvPicPr>
+            <a:picLocks noGrp="1" noChangeAspect="1" noChangeArrowheads="1"/>
+          </p:cNvPicPr>
+          <p:nvPr>
+            <p:ph idx="1"/>
+          </p:nvPr>
+        </p:nvPicPr>
+        <p:blipFill>
+          <a:blip r:embed="rId2">
+            <a:extLst>
+              <a:ext uri="{28A0092B-C50C-407E-A947-70E740481C1C}">
+                <a14:useLocalDpi xmlns:a14="http://schemas.microsoft.com/office/drawing/2010/main" val="0"/>
+              </a:ext>
+            </a:extLst>
+          </a:blip>
+          <a:srcRect/>
+          <a:stretch>
+            <a:fillRect/>
+          </a:stretch>
+        </p:blipFill>
+        <p:spPr bwMode="auto">
+          <a:xfrm>
+            <a:off x="1457359" y="1481138"/>
+            <a:ext cx="6229281" cy="4525962"/>
           </a:xfrm>
           <a:prstGeom prst="rect">
             <a:avLst/>
@@ -5671,7 +5811,7 @@
 </p:sld>
 </file>
 
-<file path=ppt/slides/slide11.xml><?xml version="1.0" encoding="utf-8"?>
+<file path=ppt/slides/slide12.xml><?xml version="1.0" encoding="utf-8"?>
 <p:sld xmlns:a="http://schemas.openxmlformats.org/drawingml/2006/main" xmlns:r="http://schemas.openxmlformats.org/officeDocument/2006/relationships" xmlns:p="http://schemas.openxmlformats.org/presentationml/2006/main">
   <p:cSld>
     <p:spTree>
@@ -5706,7 +5846,7 @@
             <a:fld id="{1B2C9F7E-80B6-4C3C-8A6C-643968CAB744}" type="slidenum">
               <a:rPr kumimoji="1" lang="ja-JP" altLang="en-US" smtClean="0"/>
               <a:pPr/>
-              <a:t>11</a:t>
+              <a:t>12</a:t>
             </a:fld>
             <a:endParaRPr kumimoji="1" lang="ja-JP" altLang="en-US"/>
           </a:p>
@@ -5924,56 +6064,9 @@
           <a:chExt cx="0" cy="0"/>
         </a:xfrm>
       </p:grpSpPr>
-      <p:sp>
-        <p:nvSpPr>
-          <p:cNvPr id="3" name="スライド番号プレースホルダー 2"/>
-          <p:cNvSpPr>
-            <a:spLocks noGrp="1"/>
-          </p:cNvSpPr>
-          <p:nvPr>
-            <p:ph type="sldNum" sz="quarter" idx="12"/>
-          </p:nvPr>
-        </p:nvSpPr>
-        <p:spPr/>
-        <p:txBody>
-          <a:bodyPr/>
-          <a:lstStyle/>
-          <a:p>
-            <a:fld id="{1B2C9F7E-80B6-4C3C-8A6C-643968CAB744}" type="slidenum">
-              <a:rPr kumimoji="1" lang="ja-JP" altLang="en-US" smtClean="0"/>
-              <a:pPr/>
-              <a:t>3</a:t>
-            </a:fld>
-            <a:endParaRPr kumimoji="1" lang="ja-JP" altLang="en-US"/>
-          </a:p>
-        </p:txBody>
-      </p:sp>
-      <p:sp>
-        <p:nvSpPr>
-          <p:cNvPr id="4" name="タイトル 3"/>
-          <p:cNvSpPr>
-            <a:spLocks noGrp="1"/>
-          </p:cNvSpPr>
-          <p:nvPr>
-            <p:ph type="title"/>
-          </p:nvPr>
-        </p:nvSpPr>
-        <p:spPr/>
-        <p:txBody>
-          <a:bodyPr/>
-          <a:lstStyle/>
-          <a:p>
-            <a:r>
-              <a:rPr kumimoji="1" lang="ja-JP" altLang="en-US" dirty="0" smtClean="0"/>
-              <a:t>メニュー画面</a:t>
-            </a:r>
-            <a:endParaRPr kumimoji="1" lang="ja-JP" altLang="en-US" dirty="0"/>
-          </a:p>
-        </p:txBody>
-      </p:sp>
       <p:pic>
         <p:nvPicPr>
-          <p:cNvPr id="1027" name="Picture 3"/>
+          <p:cNvPr id="12" name="Picture 2"/>
           <p:cNvPicPr>
             <a:picLocks noGrp="1" noChangeAspect="1" noChangeArrowheads="1"/>
           </p:cNvPicPr>
@@ -5996,8 +6089,104 @@
         </p:blipFill>
         <p:spPr bwMode="auto">
           <a:xfrm>
-            <a:off x="395536" y="1340768"/>
-            <a:ext cx="6034616" cy="4525962"/>
+            <a:off x="251520" y="1274633"/>
+            <a:ext cx="6229281" cy="4525962"/>
+          </a:xfrm>
+          <a:prstGeom prst="rect">
+            <a:avLst/>
+          </a:prstGeom>
+          <a:noFill/>
+          <a:ln w="9525">
+            <a:solidFill>
+              <a:schemeClr val="tx1"/>
+            </a:solidFill>
+            <a:miter lim="800000"/>
+            <a:headEnd/>
+            <a:tailEnd/>
+          </a:ln>
+          <a:extLst>
+            <a:ext uri="{909E8E84-426E-40DD-AFC4-6F175D3DCCD1}">
+              <a14:hiddenFill xmlns:a14="http://schemas.microsoft.com/office/drawing/2010/main">
+                <a:solidFill>
+                  <a:schemeClr val="accent1"/>
+                </a:solidFill>
+              </a14:hiddenFill>
+            </a:ext>
+          </a:extLst>
+        </p:spPr>
+      </p:pic>
+      <p:sp>
+        <p:nvSpPr>
+          <p:cNvPr id="3" name="スライド番号プレースホルダー 2"/>
+          <p:cNvSpPr>
+            <a:spLocks noGrp="1"/>
+          </p:cNvSpPr>
+          <p:nvPr>
+            <p:ph type="sldNum" sz="quarter" idx="12"/>
+          </p:nvPr>
+        </p:nvSpPr>
+        <p:spPr/>
+        <p:txBody>
+          <a:bodyPr/>
+          <a:lstStyle/>
+          <a:p>
+            <a:fld id="{1B2C9F7E-80B6-4C3C-8A6C-643968CAB744}" type="slidenum">
+              <a:rPr kumimoji="1" lang="ja-JP" altLang="en-US" smtClean="0"/>
+              <a:pPr/>
+              <a:t>3</a:t>
+            </a:fld>
+            <a:endParaRPr kumimoji="1" lang="ja-JP" altLang="en-US"/>
+          </a:p>
+        </p:txBody>
+      </p:sp>
+      <p:sp>
+        <p:nvSpPr>
+          <p:cNvPr id="4" name="タイトル 3"/>
+          <p:cNvSpPr>
+            <a:spLocks noGrp="1"/>
+          </p:cNvSpPr>
+          <p:nvPr>
+            <p:ph type="title"/>
+          </p:nvPr>
+        </p:nvSpPr>
+        <p:spPr/>
+        <p:txBody>
+          <a:bodyPr/>
+          <a:lstStyle/>
+          <a:p>
+            <a:r>
+              <a:rPr kumimoji="1" lang="ja-JP" altLang="en-US" dirty="0" smtClean="0"/>
+              <a:t>メニュー画面</a:t>
+            </a:r>
+            <a:endParaRPr kumimoji="1" lang="ja-JP" altLang="en-US" dirty="0"/>
+          </a:p>
+        </p:txBody>
+      </p:sp>
+      <p:pic>
+        <p:nvPicPr>
+          <p:cNvPr id="2" name="Picture 3"/>
+          <p:cNvPicPr>
+            <a:picLocks noChangeAspect="1" noChangeArrowheads="1"/>
+          </p:cNvPicPr>
+          <p:nvPr/>
+        </p:nvPicPr>
+        <p:blipFill>
+          <a:blip r:embed="rId3">
+            <a:extLst>
+              <a:ext uri="{28A0092B-C50C-407E-A947-70E740481C1C}">
+                <a14:useLocalDpi xmlns:a14="http://schemas.microsoft.com/office/drawing/2010/main" val="0"/>
+              </a:ext>
+            </a:extLst>
+          </a:blip>
+          <a:srcRect/>
+          <a:stretch>
+            <a:fillRect/>
+          </a:stretch>
+        </p:blipFill>
+        <p:spPr bwMode="auto">
+          <a:xfrm>
+            <a:off x="1619672" y="1628800"/>
+            <a:ext cx="6047232" cy="4393692"/>
           </a:xfrm>
           <a:prstGeom prst="rect">
             <a:avLst/>
@@ -6024,56 +6213,7 @@
       </p:pic>
       <p:pic>
         <p:nvPicPr>
-          <p:cNvPr id="1028" name="Picture 4"/>
-          <p:cNvPicPr>
-            <a:picLocks noChangeAspect="1" noChangeArrowheads="1"/>
-          </p:cNvPicPr>
-          <p:nvPr/>
-        </p:nvPicPr>
-        <p:blipFill>
-          <a:blip r:embed="rId3">
-            <a:extLst>
-              <a:ext uri="{28A0092B-C50C-407E-A947-70E740481C1C}">
-                <a14:useLocalDpi xmlns:a14="http://schemas.microsoft.com/office/drawing/2010/main" val="0"/>
-              </a:ext>
-            </a:extLst>
-          </a:blip>
-          <a:srcRect/>
-          <a:stretch>
-            <a:fillRect/>
-          </a:stretch>
-        </p:blipFill>
-        <p:spPr bwMode="auto">
-          <a:xfrm>
-            <a:off x="1619672" y="1701888"/>
-            <a:ext cx="6047232" cy="4535424"/>
-          </a:xfrm>
-          <a:prstGeom prst="rect">
-            <a:avLst/>
-          </a:prstGeom>
-          <a:noFill/>
-          <a:ln w="9525">
-            <a:solidFill>
-              <a:schemeClr val="tx1"/>
-            </a:solidFill>
-            <a:miter lim="800000"/>
-            <a:headEnd/>
-            <a:tailEnd/>
-          </a:ln>
-          <a:extLst>
-            <a:ext uri="{909E8E84-426E-40DD-AFC4-6F175D3DCCD1}">
-              <a14:hiddenFill xmlns:a14="http://schemas.microsoft.com/office/drawing/2010/main">
-                <a:solidFill>
-                  <a:schemeClr val="accent1"/>
-                </a:solidFill>
-              </a14:hiddenFill>
-            </a:ext>
-          </a:extLst>
-        </p:spPr>
-      </p:pic>
-      <p:pic>
-        <p:nvPicPr>
-          <p:cNvPr id="1029" name="Picture 5"/>
+          <p:cNvPr id="5" name="Picture 4"/>
           <p:cNvPicPr>
             <a:picLocks noChangeAspect="1" noChangeArrowheads="1"/>
           </p:cNvPicPr>
@@ -6094,8 +6234,8 @@
         </p:blipFill>
         <p:spPr bwMode="auto">
           <a:xfrm>
-            <a:off x="2987824" y="2060848"/>
-            <a:ext cx="6047232" cy="4535424"/>
+            <a:off x="2917256" y="1988840"/>
+            <a:ext cx="6047232" cy="4393692"/>
           </a:xfrm>
           <a:prstGeom prst="rect">
             <a:avLst/>
@@ -6210,7 +6350,7 @@
       </p:sp>
       <p:pic>
         <p:nvPicPr>
-          <p:cNvPr id="2050" name="Picture 2"/>
+          <p:cNvPr id="6" name="Picture 2"/>
           <p:cNvPicPr>
             <a:picLocks noGrp="1" noChangeAspect="1" noChangeArrowheads="1"/>
           </p:cNvPicPr>
@@ -6233,8 +6373,8 @@
         </p:blipFill>
         <p:spPr bwMode="auto">
           <a:xfrm>
-            <a:off x="1554692" y="1481138"/>
-            <a:ext cx="6034616" cy="4525962"/>
+            <a:off x="1457359" y="1481138"/>
+            <a:ext cx="6229281" cy="4525962"/>
           </a:xfrm>
           <a:prstGeom prst="rect">
             <a:avLst/>
@@ -6355,7 +6495,7 @@
       </p:sp>
       <p:pic>
         <p:nvPicPr>
-          <p:cNvPr id="3074" name="Picture 2"/>
+          <p:cNvPr id="5" name="Picture 2"/>
           <p:cNvPicPr>
             <a:picLocks noGrp="1" noChangeAspect="1" noChangeArrowheads="1"/>
           </p:cNvPicPr>
@@ -6378,8 +6518,8 @@
         </p:blipFill>
         <p:spPr bwMode="auto">
           <a:xfrm>
-            <a:off x="1554692" y="1481138"/>
-            <a:ext cx="6034616" cy="4525962"/>
+            <a:off x="1457359" y="1481138"/>
+            <a:ext cx="6229281" cy="4525962"/>
           </a:xfrm>
           <a:prstGeom prst="rect">
             <a:avLst/>
@@ -6494,7 +6634,7 @@
       </p:sp>
       <p:pic>
         <p:nvPicPr>
-          <p:cNvPr id="4099" name="Picture 3"/>
+          <p:cNvPr id="5" name="Picture 3"/>
           <p:cNvPicPr>
             <a:picLocks noGrp="1" noChangeAspect="1" noChangeArrowheads="1"/>
           </p:cNvPicPr>
@@ -6517,8 +6657,8 @@
         </p:blipFill>
         <p:spPr bwMode="auto">
           <a:xfrm>
-            <a:off x="1554692" y="1481138"/>
-            <a:ext cx="6034616" cy="4525962"/>
+            <a:off x="1457359" y="1481138"/>
+            <a:ext cx="6229281" cy="4525962"/>
           </a:xfrm>
           <a:prstGeom prst="rect">
             <a:avLst/>
@@ -6633,7 +6773,7 @@
       </p:sp>
       <p:pic>
         <p:nvPicPr>
-          <p:cNvPr id="5122" name="Picture 2"/>
+          <p:cNvPr id="5" name="Picture 2"/>
           <p:cNvPicPr>
             <a:picLocks noGrp="1" noChangeAspect="1" noChangeArrowheads="1"/>
           </p:cNvPicPr>
@@ -6656,8 +6796,8 @@
         </p:blipFill>
         <p:spPr bwMode="auto">
           <a:xfrm>
-            <a:off x="1554692" y="1481138"/>
-            <a:ext cx="6034616" cy="4525962"/>
+            <a:off x="1457359" y="1481138"/>
+            <a:ext cx="6229281" cy="4525962"/>
           </a:xfrm>
           <a:prstGeom prst="rect">
             <a:avLst/>
@@ -6772,7 +6912,7 @@
       </p:sp>
       <p:pic>
         <p:nvPicPr>
-          <p:cNvPr id="6146" name="Picture 2"/>
+          <p:cNvPr id="5" name="Picture 2"/>
           <p:cNvPicPr>
             <a:picLocks noGrp="1" noChangeAspect="1" noChangeArrowheads="1"/>
           </p:cNvPicPr>
@@ -6795,8 +6935,8 @@
         </p:blipFill>
         <p:spPr bwMode="auto">
           <a:xfrm>
-            <a:off x="1554692" y="1481138"/>
-            <a:ext cx="6034616" cy="4525962"/>
+            <a:off x="1457359" y="1481138"/>
+            <a:ext cx="6229281" cy="4525962"/>
           </a:xfrm>
           <a:prstGeom prst="rect">
             <a:avLst/>
@@ -6911,7 +7051,7 @@
       </p:sp>
       <p:pic>
         <p:nvPicPr>
-          <p:cNvPr id="7171" name="Picture 3"/>
+          <p:cNvPr id="7170" name="Picture 2"/>
           <p:cNvPicPr>
             <a:picLocks noGrp="1" noChangeAspect="1" noChangeArrowheads="1"/>
           </p:cNvPicPr>
@@ -6934,8 +7074,8 @@
         </p:blipFill>
         <p:spPr bwMode="auto">
           <a:xfrm>
-            <a:off x="1554692" y="1481138"/>
-            <a:ext cx="6034616" cy="4525962"/>
+            <a:off x="1457359" y="1481138"/>
+            <a:ext cx="6229281" cy="4525962"/>
           </a:xfrm>
           <a:prstGeom prst="rect">
             <a:avLst/>

--- a/設計書/00_提案/3_月報管理システム 画面デザインイメージ.pptx
+++ b/設計書/00_提案/3_月報管理システム 画面デザインイメージ.pptx
@@ -207,7 +207,7 @@
             <a:fld id="{BCDAA5EE-A947-4495-AD3A-0037BFB73522}" type="datetimeFigureOut">
               <a:rPr kumimoji="1" lang="ja-JP" altLang="en-US" smtClean="0"/>
               <a:pPr/>
-              <a:t>2016/9/30</a:t>
+              <a:t>2016/10/6</a:t>
             </a:fld>
             <a:endParaRPr kumimoji="1" lang="ja-JP" altLang="en-US"/>
           </a:p>
@@ -374,7 +374,7 @@
             <a:fld id="{B865EC08-ADE3-4A7C-8117-50520C10DDF4}" type="datetimeFigureOut">
               <a:rPr kumimoji="1" lang="ja-JP" altLang="en-US" smtClean="0"/>
               <a:pPr/>
-              <a:t>2016/9/30</a:t>
+              <a:t>2016/10/6</a:t>
             </a:fld>
             <a:endParaRPr kumimoji="1" lang="ja-JP" altLang="en-US"/>
           </a:p>
@@ -1300,7 +1300,7 @@
           <a:p>
             <a:fld id="{C31FF1BB-48B5-45A0-8912-643B4C57C063}" type="datetime1">
               <a:rPr kumimoji="1" lang="ja-JP" altLang="en-US" smtClean="0"/>
-              <a:t>2016/9/30</a:t>
+              <a:t>2016/10/6</a:t>
             </a:fld>
             <a:endParaRPr kumimoji="1" lang="ja-JP" altLang="en-US"/>
           </a:p>
@@ -1529,7 +1529,7 @@
           <a:p>
             <a:fld id="{36D103B7-F187-4B8D-BBBD-302F2F8B175D}" type="datetime1">
               <a:rPr kumimoji="1" lang="ja-JP" altLang="en-US" smtClean="0"/>
-              <a:t>2016/9/30</a:t>
+              <a:t>2016/10/6</a:t>
             </a:fld>
             <a:endParaRPr kumimoji="1" lang="ja-JP" altLang="en-US"/>
           </a:p>
@@ -1747,7 +1747,7 @@
           <a:p>
             <a:fld id="{616318D9-6788-4043-B1A3-81169199D2C3}" type="datetime1">
               <a:rPr kumimoji="1" lang="ja-JP" altLang="en-US" smtClean="0"/>
-              <a:t>2016/9/30</a:t>
+              <a:t>2016/10/6</a:t>
             </a:fld>
             <a:endParaRPr kumimoji="1" lang="ja-JP" altLang="en-US"/>
           </a:p>
@@ -1930,7 +1930,7 @@
           <a:p>
             <a:fld id="{3EB2B793-AA49-4AE9-AF38-96BB8CAFB1D7}" type="datetime1">
               <a:rPr kumimoji="1" lang="ja-JP" altLang="en-US" smtClean="0"/>
-              <a:t>2016/9/30</a:t>
+              <a:t>2016/10/6</a:t>
             </a:fld>
             <a:endParaRPr kumimoji="1" lang="ja-JP" altLang="en-US"/>
           </a:p>
@@ -2186,7 +2186,7 @@
           <a:p>
             <a:fld id="{0354AE8F-E7F1-4587-95B4-48E0C7D10816}" type="datetime1">
               <a:rPr kumimoji="1" lang="ja-JP" altLang="en-US" smtClean="0"/>
-              <a:t>2016/9/30</a:t>
+              <a:t>2016/10/6</a:t>
             </a:fld>
             <a:endParaRPr kumimoji="1" lang="ja-JP" altLang="en-US"/>
           </a:p>
@@ -2660,7 +2660,7 @@
           <a:p>
             <a:fld id="{D354C179-D880-4013-8132-1BEE8E8C0A9A}" type="datetime1">
               <a:rPr kumimoji="1" lang="ja-JP" altLang="en-US" smtClean="0"/>
-              <a:t>2016/9/30</a:t>
+              <a:t>2016/10/6</a:t>
             </a:fld>
             <a:endParaRPr kumimoji="1" lang="ja-JP" altLang="en-US"/>
           </a:p>
@@ -3171,7 +3171,7 @@
           <a:p>
             <a:fld id="{857F88FE-DF06-41B4-B299-42F735F420E9}" type="datetime1">
               <a:rPr kumimoji="1" lang="ja-JP" altLang="en-US" smtClean="0"/>
-              <a:t>2016/9/30</a:t>
+              <a:t>2016/10/6</a:t>
             </a:fld>
             <a:endParaRPr kumimoji="1" lang="ja-JP" altLang="en-US"/>
           </a:p>
@@ -3273,7 +3273,7 @@
           <a:p>
             <a:fld id="{B7038255-8816-4D6D-BA3E-553F188F5582}" type="datetime1">
               <a:rPr kumimoji="1" lang="ja-JP" altLang="en-US" smtClean="0"/>
-              <a:t>2016/9/30</a:t>
+              <a:t>2016/10/6</a:t>
             </a:fld>
             <a:endParaRPr kumimoji="1" lang="ja-JP" altLang="en-US"/>
           </a:p>
@@ -3395,7 +3395,7 @@
           <a:p>
             <a:fld id="{E83D8C05-108D-4FF1-B90B-D35DC3AA9CB0}" type="datetime1">
               <a:rPr kumimoji="1" lang="ja-JP" altLang="en-US" smtClean="0"/>
-              <a:t>2016/9/30</a:t>
+              <a:t>2016/10/6</a:t>
             </a:fld>
             <a:endParaRPr kumimoji="1" lang="ja-JP" altLang="en-US"/>
           </a:p>
@@ -3702,7 +3702,7 @@
           <a:p>
             <a:fld id="{F15E52C1-27FF-4037-A27C-8C2EFCFB00FB}" type="datetime1">
               <a:rPr kumimoji="1" lang="ja-JP" altLang="en-US" smtClean="0"/>
-              <a:t>2016/9/30</a:t>
+              <a:t>2016/10/6</a:t>
             </a:fld>
             <a:endParaRPr kumimoji="1" lang="ja-JP" altLang="en-US"/>
           </a:p>
@@ -3908,7 +3908,7 @@
           <a:p>
             <a:fld id="{961BD30A-CDD6-447A-80C1-904F6F05D04E}" type="datetime1">
               <a:rPr kumimoji="1" lang="ja-JP" altLang="en-US" smtClean="0"/>
-              <a:t>2016/9/30</a:t>
+              <a:t>2016/10/6</a:t>
             </a:fld>
             <a:endParaRPr kumimoji="1" lang="ja-JP" altLang="en-US"/>
           </a:p>
@@ -5050,7 +5050,7 @@
           <a:p>
             <a:fld id="{C4BEE03A-BEC9-4C8F-906D-E05319DD9766}" type="datetime1">
               <a:rPr kumimoji="1" lang="ja-JP" altLang="en-US" smtClean="0"/>
-              <a:t>2016/9/30</a:t>
+              <a:t>2016/10/6</a:t>
             </a:fld>
             <a:endParaRPr kumimoji="1" lang="ja-JP" altLang="en-US"/>
           </a:p>
@@ -5742,7 +5742,7 @@
       </p:sp>
       <p:pic>
         <p:nvPicPr>
-          <p:cNvPr id="8195" name="Picture 3"/>
+          <p:cNvPr id="4098" name="Picture 2"/>
           <p:cNvPicPr>
             <a:picLocks noGrp="1" noChangeAspect="1" noChangeArrowheads="1"/>
           </p:cNvPicPr>
@@ -5765,8 +5765,8 @@
         </p:blipFill>
         <p:spPr bwMode="auto">
           <a:xfrm>
-            <a:off x="1457359" y="1481138"/>
-            <a:ext cx="6229281" cy="4525962"/>
+            <a:off x="1521122" y="1481138"/>
+            <a:ext cx="6101755" cy="4525962"/>
           </a:xfrm>
           <a:prstGeom prst="rect">
             <a:avLst/>
@@ -6350,7 +6350,7 @@
       </p:sp>
       <p:pic>
         <p:nvPicPr>
-          <p:cNvPr id="6" name="Picture 2"/>
+          <p:cNvPr id="1026" name="Picture 2"/>
           <p:cNvPicPr>
             <a:picLocks noGrp="1" noChangeAspect="1" noChangeArrowheads="1"/>
           </p:cNvPicPr>
@@ -6373,8 +6373,8 @@
         </p:blipFill>
         <p:spPr bwMode="auto">
           <a:xfrm>
-            <a:off x="1457359" y="1481138"/>
-            <a:ext cx="6229281" cy="4525962"/>
+            <a:off x="1521122" y="1481138"/>
+            <a:ext cx="6101755" cy="4525962"/>
           </a:xfrm>
           <a:prstGeom prst="rect">
             <a:avLst/>
@@ -6495,7 +6495,7 @@
       </p:sp>
       <p:pic>
         <p:nvPicPr>
-          <p:cNvPr id="5" name="Picture 2"/>
+          <p:cNvPr id="2050" name="Picture 2"/>
           <p:cNvPicPr>
             <a:picLocks noGrp="1" noChangeAspect="1" noChangeArrowheads="1"/>
           </p:cNvPicPr>
@@ -6518,8 +6518,8 @@
         </p:blipFill>
         <p:spPr bwMode="auto">
           <a:xfrm>
-            <a:off x="1457359" y="1481138"/>
-            <a:ext cx="6229281" cy="4525962"/>
+            <a:off x="1521122" y="1481138"/>
+            <a:ext cx="6101755" cy="4525962"/>
           </a:xfrm>
           <a:prstGeom prst="rect">
             <a:avLst/>
@@ -6634,7 +6634,7 @@
       </p:sp>
       <p:pic>
         <p:nvPicPr>
-          <p:cNvPr id="5" name="Picture 3"/>
+          <p:cNvPr id="5122" name="Picture 2"/>
           <p:cNvPicPr>
             <a:picLocks noGrp="1" noChangeAspect="1" noChangeArrowheads="1"/>
           </p:cNvPicPr>
@@ -6657,8 +6657,8 @@
         </p:blipFill>
         <p:spPr bwMode="auto">
           <a:xfrm>
-            <a:off x="1457359" y="1481138"/>
-            <a:ext cx="6229281" cy="4525962"/>
+            <a:off x="1521122" y="1481138"/>
+            <a:ext cx="6101755" cy="4525962"/>
           </a:xfrm>
           <a:prstGeom prst="rect">
             <a:avLst/>
@@ -6912,7 +6912,7 @@
       </p:sp>
       <p:pic>
         <p:nvPicPr>
-          <p:cNvPr id="5" name="Picture 2"/>
+          <p:cNvPr id="3074" name="Picture 2"/>
           <p:cNvPicPr>
             <a:picLocks noGrp="1" noChangeAspect="1" noChangeArrowheads="1"/>
           </p:cNvPicPr>
@@ -6935,8 +6935,8 @@
         </p:blipFill>
         <p:spPr bwMode="auto">
           <a:xfrm>
-            <a:off x="1457359" y="1481138"/>
-            <a:ext cx="6229281" cy="4525962"/>
+            <a:off x="1521122" y="1481138"/>
+            <a:ext cx="6101755" cy="4525962"/>
           </a:xfrm>
           <a:prstGeom prst="rect">
             <a:avLst/>

--- a/設計書/00_提案/3_月報管理システム 画面デザインイメージ.pptx
+++ b/設計書/00_提案/3_月報管理システム 画面デザインイメージ.pptx
@@ -207,7 +207,7 @@
             <a:fld id="{BCDAA5EE-A947-4495-AD3A-0037BFB73522}" type="datetimeFigureOut">
               <a:rPr kumimoji="1" lang="ja-JP" altLang="en-US" smtClean="0"/>
               <a:pPr/>
-              <a:t>2016/10/6</a:t>
+              <a:t>2016/10/17</a:t>
             </a:fld>
             <a:endParaRPr kumimoji="1" lang="ja-JP" altLang="en-US"/>
           </a:p>
@@ -374,7 +374,7 @@
             <a:fld id="{B865EC08-ADE3-4A7C-8117-50520C10DDF4}" type="datetimeFigureOut">
               <a:rPr kumimoji="1" lang="ja-JP" altLang="en-US" smtClean="0"/>
               <a:pPr/>
-              <a:t>2016/10/6</a:t>
+              <a:t>2016/10/17</a:t>
             </a:fld>
             <a:endParaRPr kumimoji="1" lang="ja-JP" altLang="en-US"/>
           </a:p>
@@ -1300,7 +1300,7 @@
           <a:p>
             <a:fld id="{C31FF1BB-48B5-45A0-8912-643B4C57C063}" type="datetime1">
               <a:rPr kumimoji="1" lang="ja-JP" altLang="en-US" smtClean="0"/>
-              <a:t>2016/10/6</a:t>
+              <a:t>2016/10/17</a:t>
             </a:fld>
             <a:endParaRPr kumimoji="1" lang="ja-JP" altLang="en-US"/>
           </a:p>
@@ -1529,7 +1529,7 @@
           <a:p>
             <a:fld id="{36D103B7-F187-4B8D-BBBD-302F2F8B175D}" type="datetime1">
               <a:rPr kumimoji="1" lang="ja-JP" altLang="en-US" smtClean="0"/>
-              <a:t>2016/10/6</a:t>
+              <a:t>2016/10/17</a:t>
             </a:fld>
             <a:endParaRPr kumimoji="1" lang="ja-JP" altLang="en-US"/>
           </a:p>
@@ -1747,7 +1747,7 @@
           <a:p>
             <a:fld id="{616318D9-6788-4043-B1A3-81169199D2C3}" type="datetime1">
               <a:rPr kumimoji="1" lang="ja-JP" altLang="en-US" smtClean="0"/>
-              <a:t>2016/10/6</a:t>
+              <a:t>2016/10/17</a:t>
             </a:fld>
             <a:endParaRPr kumimoji="1" lang="ja-JP" altLang="en-US"/>
           </a:p>
@@ -1930,7 +1930,7 @@
           <a:p>
             <a:fld id="{3EB2B793-AA49-4AE9-AF38-96BB8CAFB1D7}" type="datetime1">
               <a:rPr kumimoji="1" lang="ja-JP" altLang="en-US" smtClean="0"/>
-              <a:t>2016/10/6</a:t>
+              <a:t>2016/10/17</a:t>
             </a:fld>
             <a:endParaRPr kumimoji="1" lang="ja-JP" altLang="en-US"/>
           </a:p>
@@ -2186,7 +2186,7 @@
           <a:p>
             <a:fld id="{0354AE8F-E7F1-4587-95B4-48E0C7D10816}" type="datetime1">
               <a:rPr kumimoji="1" lang="ja-JP" altLang="en-US" smtClean="0"/>
-              <a:t>2016/10/6</a:t>
+              <a:t>2016/10/17</a:t>
             </a:fld>
             <a:endParaRPr kumimoji="1" lang="ja-JP" altLang="en-US"/>
           </a:p>
@@ -2660,7 +2660,7 @@
           <a:p>
             <a:fld id="{D354C179-D880-4013-8132-1BEE8E8C0A9A}" type="datetime1">
               <a:rPr kumimoji="1" lang="ja-JP" altLang="en-US" smtClean="0"/>
-              <a:t>2016/10/6</a:t>
+              <a:t>2016/10/17</a:t>
             </a:fld>
             <a:endParaRPr kumimoji="1" lang="ja-JP" altLang="en-US"/>
           </a:p>
@@ -3171,7 +3171,7 @@
           <a:p>
             <a:fld id="{857F88FE-DF06-41B4-B299-42F735F420E9}" type="datetime1">
               <a:rPr kumimoji="1" lang="ja-JP" altLang="en-US" smtClean="0"/>
-              <a:t>2016/10/6</a:t>
+              <a:t>2016/10/17</a:t>
             </a:fld>
             <a:endParaRPr kumimoji="1" lang="ja-JP" altLang="en-US"/>
           </a:p>
@@ -3273,7 +3273,7 @@
           <a:p>
             <a:fld id="{B7038255-8816-4D6D-BA3E-553F188F5582}" type="datetime1">
               <a:rPr kumimoji="1" lang="ja-JP" altLang="en-US" smtClean="0"/>
-              <a:t>2016/10/6</a:t>
+              <a:t>2016/10/17</a:t>
             </a:fld>
             <a:endParaRPr kumimoji="1" lang="ja-JP" altLang="en-US"/>
           </a:p>
@@ -3395,7 +3395,7 @@
           <a:p>
             <a:fld id="{E83D8C05-108D-4FF1-B90B-D35DC3AA9CB0}" type="datetime1">
               <a:rPr kumimoji="1" lang="ja-JP" altLang="en-US" smtClean="0"/>
-              <a:t>2016/10/6</a:t>
+              <a:t>2016/10/17</a:t>
             </a:fld>
             <a:endParaRPr kumimoji="1" lang="ja-JP" altLang="en-US"/>
           </a:p>
@@ -3702,7 +3702,7 @@
           <a:p>
             <a:fld id="{F15E52C1-27FF-4037-A27C-8C2EFCFB00FB}" type="datetime1">
               <a:rPr kumimoji="1" lang="ja-JP" altLang="en-US" smtClean="0"/>
-              <a:t>2016/10/6</a:t>
+              <a:t>2016/10/17</a:t>
             </a:fld>
             <a:endParaRPr kumimoji="1" lang="ja-JP" altLang="en-US"/>
           </a:p>
@@ -3908,7 +3908,7 @@
           <a:p>
             <a:fld id="{961BD30A-CDD6-447A-80C1-904F6F05D04E}" type="datetime1">
               <a:rPr kumimoji="1" lang="ja-JP" altLang="en-US" smtClean="0"/>
-              <a:t>2016/10/6</a:t>
+              <a:t>2016/10/17</a:t>
             </a:fld>
             <a:endParaRPr kumimoji="1" lang="ja-JP" altLang="en-US"/>
           </a:p>
@@ -5050,7 +5050,7 @@
           <a:p>
             <a:fld id="{C4BEE03A-BEC9-4C8F-906D-E05319DD9766}" type="datetime1">
               <a:rPr kumimoji="1" lang="ja-JP" altLang="en-US" smtClean="0"/>
-              <a:t>2016/10/6</a:t>
+              <a:t>2016/10/17</a:t>
             </a:fld>
             <a:endParaRPr kumimoji="1" lang="ja-JP" altLang="en-US"/>
           </a:p>
@@ -5995,9 +5995,9 @@
       </p:sp>
       <p:pic>
         <p:nvPicPr>
-          <p:cNvPr id="15" name="コンテンツ プレースホルダー 14"/>
+          <p:cNvPr id="1028" name="Picture 4"/>
           <p:cNvPicPr>
-            <a:picLocks noGrp="1" noChangeAspect="1"/>
+            <a:picLocks noGrp="1" noChangeAspect="1" noChangeArrowheads="1"/>
           </p:cNvPicPr>
           <p:nvPr>
             <p:ph idx="1"/>
@@ -6011,20 +6011,37 @@
               </a:ext>
             </a:extLst>
           </a:blip>
+          <a:srcRect/>
           <a:stretch>
             <a:fillRect/>
           </a:stretch>
         </p:blipFill>
-        <p:spPr>
+        <p:spPr bwMode="auto">
           <a:xfrm>
-            <a:off x="1517124" y="1481138"/>
-            <a:ext cx="6109751" cy="4525962"/>
+            <a:off x="1554692" y="1481138"/>
+            <a:ext cx="6034616" cy="4525962"/>
           </a:xfrm>
-          <a:ln>
+          <a:prstGeom prst="rect">
+            <a:avLst/>
+          </a:prstGeom>
+          <a:noFill/>
+          <a:ln w="9525">
             <a:solidFill>
               <a:schemeClr val="tx1"/>
             </a:solidFill>
+            <a:miter lim="800000"/>
+            <a:headEnd/>
+            <a:tailEnd/>
           </a:ln>
+          <a:extLst>
+            <a:ext uri="{909E8E84-426E-40DD-AFC4-6F175D3DCCD1}">
+              <a14:hiddenFill xmlns:a14="http://schemas.microsoft.com/office/drawing/2010/main">
+                <a:solidFill>
+                  <a:schemeClr val="accent1"/>
+                </a:solidFill>
+              </a14:hiddenFill>
+            </a:ext>
+          </a:extLst>
         </p:spPr>
       </p:pic>
     </p:spTree>
@@ -6495,7 +6512,7 @@
       </p:sp>
       <p:pic>
         <p:nvPicPr>
-          <p:cNvPr id="2050" name="Picture 2"/>
+          <p:cNvPr id="5" name="Picture 2"/>
           <p:cNvPicPr>
             <a:picLocks noGrp="1" noChangeAspect="1" noChangeArrowheads="1"/>
           </p:cNvPicPr>
@@ -6518,8 +6535,8 @@
         </p:blipFill>
         <p:spPr bwMode="auto">
           <a:xfrm>
-            <a:off x="1521122" y="1481138"/>
-            <a:ext cx="6101755" cy="4525962"/>
+            <a:off x="1554692" y="1481138"/>
+            <a:ext cx="6034616" cy="4525962"/>
           </a:xfrm>
           <a:prstGeom prst="rect">
             <a:avLst/>
@@ -6634,7 +6651,7 @@
       </p:sp>
       <p:pic>
         <p:nvPicPr>
-          <p:cNvPr id="5122" name="Picture 2"/>
+          <p:cNvPr id="3074" name="Picture 2"/>
           <p:cNvPicPr>
             <a:picLocks noGrp="1" noChangeAspect="1" noChangeArrowheads="1"/>
           </p:cNvPicPr>
@@ -6657,8 +6674,8 @@
         </p:blipFill>
         <p:spPr bwMode="auto">
           <a:xfrm>
-            <a:off x="1521122" y="1481138"/>
-            <a:ext cx="6101755" cy="4525962"/>
+            <a:off x="1554692" y="1481138"/>
+            <a:ext cx="6034616" cy="4525962"/>
           </a:xfrm>
           <a:prstGeom prst="rect">
             <a:avLst/>
@@ -7051,7 +7068,7 @@
       </p:sp>
       <p:pic>
         <p:nvPicPr>
-          <p:cNvPr id="7170" name="Picture 2"/>
+          <p:cNvPr id="4099" name="Picture 3"/>
           <p:cNvPicPr>
             <a:picLocks noGrp="1" noChangeAspect="1" noChangeArrowheads="1"/>
           </p:cNvPicPr>
@@ -7074,8 +7091,8 @@
         </p:blipFill>
         <p:spPr bwMode="auto">
           <a:xfrm>
-            <a:off x="1457359" y="1481138"/>
-            <a:ext cx="6229281" cy="4525962"/>
+            <a:off x="1554692" y="1481138"/>
+            <a:ext cx="6034616" cy="4525962"/>
           </a:xfrm>
           <a:prstGeom prst="rect">
             <a:avLst/>
